--- a/ALEXANDER_GA DS Final.pptx
+++ b/ALEXANDER_GA DS Final.pptx
@@ -13763,7 +13763,7 @@
                 <a:cs typeface="Courier New"/>
                 <a:sym typeface="Courier New"/>
               </a:rPr>
-              <a:t>Explain: The trading model depends on the moving average crossovers providing signals to either buy or sell.  If the cross over</a:t>
+              <a:t>Explain: The trading model depends on the moving average crossovers providing signals to either buy or sell</a:t>
             </a:r>
           </a:p>
         </p:txBody>
@@ -23148,7 +23148,7 @@
             <a:tbl>
               <a:tblPr bandRow="1" firstCol="1" firstRow="1">
                 <a:noFill/>
-                <a:tableStyleId>{885361AA-9FF5-4013-B099-D6E3B095DA58}</a:tableStyleId>
+                <a:tableStyleId>{B4EA36FC-CBCD-4A6D-9562-73470FF00AC6}</a:tableStyleId>
               </a:tblPr>
               <a:tblGrid>
                 <a:gridCol w="1170200"/>

--- a/ALEXANDER_GA DS Final.pptx
+++ b/ALEXANDER_GA DS Final.pptx
@@ -31,6 +31,7 @@
     <p:sldId id="276" r:id="rId26"/>
     <p:sldId id="277" r:id="rId27"/>
     <p:sldId id="278" r:id="rId28"/>
+    <p:sldId id="279" r:id="rId29"/>
   </p:sldIdLst>
   <p:sldSz cy="6858000" cx="9144000"/>
   <p:notesSz cx="6858000" cy="9144000"/>
@@ -1893,6 +1894,101 @@
       <p:sp>
         <p:nvSpPr>
           <p:cNvPr id="273" name="Shape 273"/>
+          <p:cNvSpPr/>
+          <p:nvPr>
+            <p:ph idx="2" type="sldImg"/>
+          </p:nvPr>
+        </p:nvSpPr>
+        <p:spPr>
+          <a:xfrm>
+            <a:off x="1143225" y="685800"/>
+            <a:ext cx="4572300" cy="3429000"/>
+          </a:xfrm>
+          <a:custGeom>
+            <a:pathLst>
+              <a:path extrusionOk="0" h="120000" w="120000">
+                <a:moveTo>
+                  <a:pt x="0" y="0"/>
+                </a:moveTo>
+                <a:lnTo>
+                  <a:pt x="120000" y="0"/>
+                </a:lnTo>
+                <a:lnTo>
+                  <a:pt x="120000" y="120000"/>
+                </a:lnTo>
+                <a:lnTo>
+                  <a:pt x="0" y="120000"/>
+                </a:lnTo>
+                <a:close/>
+              </a:path>
+            </a:pathLst>
+          </a:custGeom>
+        </p:spPr>
+      </p:sp>
+      <p:sp>
+        <p:nvSpPr>
+          <p:cNvPr id="274" name="Shape 274"/>
+          <p:cNvSpPr txBox="1"/>
+          <p:nvPr>
+            <p:ph idx="1" type="body"/>
+          </p:nvPr>
+        </p:nvSpPr>
+        <p:spPr>
+          <a:xfrm>
+            <a:off x="685800" y="4343400"/>
+            <a:ext cx="5486400" cy="4114800"/>
+          </a:xfrm>
+          <a:prstGeom prst="rect">
+            <a:avLst/>
+          </a:prstGeom>
+        </p:spPr>
+        <p:txBody>
+          <a:bodyPr anchorCtr="0" anchor="t" bIns="91425" lIns="91425" rIns="91425" tIns="91425">
+            <a:noAutofit/>
+          </a:bodyPr>
+          <a:lstStyle/>
+          <a:p>
+            <a:pPr lvl="0">
+              <a:spcBef>
+                <a:spcPts val="0"/>
+              </a:spcBef>
+              <a:buNone/>
+            </a:pPr>
+            <a:r>
+              <a:t/>
+            </a:r>
+            <a:endParaRPr/>
+          </a:p>
+        </p:txBody>
+      </p:sp>
+    </p:spTree>
+  </p:cSld>
+  <p:clrMapOvr>
+    <a:masterClrMapping/>
+  </p:clrMapOvr>
+</p:notes>
+</file>
+
+<file path=ppt/notesSlides/notesSlide24.xml><?xml version="1.0" encoding="utf-8"?>
+<p:notes xmlns:a="http://schemas.openxmlformats.org/drawingml/2006/main" xmlns:r="http://schemas.openxmlformats.org/officeDocument/2006/relationships" xmlns:mc="http://schemas.openxmlformats.org/markup-compatibility/2006" xmlns:mv="urn:schemas-microsoft-com:mac:vml" xmlns:p="http://schemas.openxmlformats.org/presentationml/2006/main" xmlns:c="http://schemas.openxmlformats.org/drawingml/2006/chart" xmlns:dgm="http://schemas.openxmlformats.org/drawingml/2006/diagram" xmlns:o="urn:schemas-microsoft-com:office:office" xmlns:v="urn:schemas-microsoft-com:vml" xmlns:pvml="urn:schemas-microsoft-com:office:powerpoint" xmlns:com="http://schemas.openxmlformats.org/drawingml/2006/compatibility" xmlns:p14="http://schemas.microsoft.com/office/powerpoint/2010/main" showMasterPhAnim="0" showMasterSp="0">
+  <p:cSld>
+    <p:spTree>
+      <p:nvGrpSpPr>
+        <p:cNvPr id="278" name="Shape 278"/>
+        <p:cNvGrpSpPr/>
+        <p:nvPr/>
+      </p:nvGrpSpPr>
+      <p:grpSpPr>
+        <a:xfrm>
+          <a:off x="0" y="0"/>
+          <a:ext cx="0" cy="0"/>
+          <a:chOff x="0" y="0"/>
+          <a:chExt cx="0" cy="0"/>
+        </a:xfrm>
+      </p:grpSpPr>
+      <p:sp>
+        <p:nvSpPr>
+          <p:cNvPr id="279" name="Shape 279"/>
           <p:cNvSpPr txBox="1"/>
           <p:nvPr>
             <p:ph idx="1" type="body"/>
@@ -1932,7 +2028,7 @@
       </p:sp>
       <p:sp>
         <p:nvSpPr>
-          <p:cNvPr id="274" name="Shape 274"/>
+          <p:cNvPr id="280" name="Shape 280"/>
           <p:cNvSpPr/>
           <p:nvPr>
             <p:ph idx="2" type="sldImg"/>
@@ -22475,6 +22571,153 @@
           <a:prstGeom prst="rect">
             <a:avLst/>
           </a:prstGeom>
+        </p:spPr>
+        <p:txBody>
+          <a:bodyPr anchorCtr="0" anchor="ctr" bIns="91425" lIns="91425" rIns="91425" tIns="91425">
+            <a:noAutofit/>
+          </a:bodyPr>
+          <a:lstStyle/>
+          <a:p>
+            <a:pPr lvl="0">
+              <a:spcBef>
+                <a:spcPts val="0"/>
+              </a:spcBef>
+              <a:buNone/>
+            </a:pPr>
+            <a:r>
+              <a:rPr b="1" lang="en-US">
+                <a:latin typeface="Courier New"/>
+                <a:ea typeface="Courier New"/>
+                <a:cs typeface="Courier New"/>
+                <a:sym typeface="Courier New"/>
+              </a:rPr>
+              <a:t>The Future....</a:t>
+            </a:r>
+          </a:p>
+        </p:txBody>
+      </p:sp>
+      <p:sp>
+        <p:nvSpPr>
+          <p:cNvPr id="277" name="Shape 277"/>
+          <p:cNvSpPr txBox="1"/>
+          <p:nvPr>
+            <p:ph idx="1" type="body"/>
+          </p:nvPr>
+        </p:nvSpPr>
+        <p:spPr>
+          <a:xfrm>
+            <a:off x="457200" y="1600200"/>
+            <a:ext cx="8229600" cy="4526100"/>
+          </a:xfrm>
+          <a:prstGeom prst="rect">
+            <a:avLst/>
+          </a:prstGeom>
+        </p:spPr>
+        <p:txBody>
+          <a:bodyPr anchorCtr="0" anchor="t" bIns="91425" lIns="91425" rIns="91425" tIns="91425">
+            <a:noAutofit/>
+          </a:bodyPr>
+          <a:lstStyle/>
+          <a:p>
+            <a:pPr indent="-381000" lvl="0" marL="457200">
+              <a:spcBef>
+                <a:spcPts val="0"/>
+              </a:spcBef>
+              <a:buSzPct val="100000"/>
+              <a:buFont typeface="Courier New"/>
+              <a:buAutoNum type="arabicPeriod"/>
+            </a:pPr>
+            <a:r>
+              <a:rPr lang="en-US" sz="2400">
+                <a:latin typeface="Courier New"/>
+                <a:ea typeface="Courier New"/>
+                <a:cs typeface="Courier New"/>
+                <a:sym typeface="Courier New"/>
+              </a:rPr>
+              <a:t>Can the ‘10-200 Model’ work on individual shares and provide positive returns?</a:t>
+            </a:r>
+          </a:p>
+          <a:p>
+            <a:pPr indent="-381000" lvl="0" marL="457200">
+              <a:spcBef>
+                <a:spcPts val="0"/>
+              </a:spcBef>
+              <a:buSzPct val="100000"/>
+              <a:buFont typeface="Courier New"/>
+              <a:buAutoNum type="arabicPeriod"/>
+            </a:pPr>
+            <a:r>
+              <a:rPr lang="en-US" sz="2400">
+                <a:latin typeface="Courier New"/>
+                <a:ea typeface="Courier New"/>
+                <a:cs typeface="Courier New"/>
+                <a:sym typeface="Courier New"/>
+              </a:rPr>
+              <a:t>As the market has a Beta of exactly 1, does the ‘10-200 Model’ function when applied to shares with a wide range of Betas (-1, 0, 2, etc)?</a:t>
+            </a:r>
+          </a:p>
+          <a:p>
+            <a:pPr indent="-381000" lvl="0" marL="457200">
+              <a:spcBef>
+                <a:spcPts val="0"/>
+              </a:spcBef>
+              <a:buSzPct val="100000"/>
+              <a:buFont typeface="Courier New"/>
+              <a:buAutoNum type="arabicPeriod"/>
+            </a:pPr>
+            <a:r>
+              <a:rPr lang="en-US" sz="2400">
+                <a:latin typeface="Courier New"/>
+                <a:ea typeface="Courier New"/>
+                <a:cs typeface="Courier New"/>
+                <a:sym typeface="Courier New"/>
+              </a:rPr>
+              <a:t>Would dynamically varying the X in the model (the number of points that the moving averages remain above or below each other) have any significant impact on model returns?</a:t>
+            </a:r>
+          </a:p>
+        </p:txBody>
+      </p:sp>
+    </p:spTree>
+  </p:cSld>
+  <p:clrMapOvr>
+    <a:masterClrMapping/>
+  </p:clrMapOvr>
+</p:sld>
+</file>
+
+<file path=ppt/slides/slide24.xml><?xml version="1.0" encoding="utf-8"?>
+<p:sld xmlns:a="http://schemas.openxmlformats.org/drawingml/2006/main" xmlns:r="http://schemas.openxmlformats.org/officeDocument/2006/relationships" xmlns:mc="http://schemas.openxmlformats.org/markup-compatibility/2006" xmlns:mv="urn:schemas-microsoft-com:mac:vml" xmlns:p="http://schemas.openxmlformats.org/presentationml/2006/main" xmlns:c="http://schemas.openxmlformats.org/drawingml/2006/chart" xmlns:dgm="http://schemas.openxmlformats.org/drawingml/2006/diagram" xmlns:o="urn:schemas-microsoft-com:office:office" xmlns:v="urn:schemas-microsoft-com:vml" xmlns:pvml="urn:schemas-microsoft-com:office:powerpoint" xmlns:com="http://schemas.openxmlformats.org/drawingml/2006/compatibility" xmlns:p14="http://schemas.microsoft.com/office/powerpoint/2010/main">
+  <p:cSld>
+    <p:spTree>
+      <p:nvGrpSpPr>
+        <p:cNvPr id="281" name="Shape 281"/>
+        <p:cNvGrpSpPr/>
+        <p:nvPr/>
+      </p:nvGrpSpPr>
+      <p:grpSpPr>
+        <a:xfrm>
+          <a:off x="0" y="0"/>
+          <a:ext cx="0" cy="0"/>
+          <a:chOff x="0" y="0"/>
+          <a:chExt cx="0" cy="0"/>
+        </a:xfrm>
+      </p:grpSpPr>
+      <p:sp>
+        <p:nvSpPr>
+          <p:cNvPr id="282" name="Shape 282"/>
+          <p:cNvSpPr txBox="1"/>
+          <p:nvPr>
+            <p:ph type="title"/>
+          </p:nvPr>
+        </p:nvSpPr>
+        <p:spPr>
+          <a:xfrm>
+            <a:off x="457200" y="274637"/>
+            <a:ext cx="8229600" cy="1143000"/>
+          </a:xfrm>
+          <a:prstGeom prst="rect">
+            <a:avLst/>
+          </a:prstGeom>
           <a:noFill/>
           <a:ln>
             <a:noFill/>
@@ -22514,7 +22757,7 @@
       </p:sp>
       <p:pic>
         <p:nvPicPr>
-          <p:cNvPr descr="Tasmanian devil cartoon character jpeg 500x500 monster tasmanian devil cartoon jpeg 500x500 Monster tasmanian devil cartoon" id="277" name="Shape 277"/>
+          <p:cNvPr descr="Tasmanian devil cartoon character jpeg 500x500 monster tasmanian devil cartoon jpeg 500x500 Monster tasmanian devil cartoon" id="283" name="Shape 283"/>
           <p:cNvPicPr preferRelativeResize="0"/>
           <p:nvPr/>
         </p:nvPicPr>
@@ -23148,7 +23391,7 @@
             <a:tbl>
               <a:tblPr bandRow="1" firstCol="1" firstRow="1">
                 <a:noFill/>
-                <a:tableStyleId>{B4EA36FC-CBCD-4A6D-9562-73470FF00AC6}</a:tableStyleId>
+                <a:tableStyleId>{F2BFE814-113B-4B17-83AB-4092F5F51DA1}</a:tableStyleId>
               </a:tblPr>
               <a:tblGrid>
                 <a:gridCol w="1170200"/>
